--- a/Later/String/Manipulating Characters in a String/String_29/Java String_replace_char.pptx
+++ b/Later/String/Manipulating Characters in a String/String_29/Java String_replace_char.pptx
@@ -3798,15 +3798,7 @@
             <a:pPr algn="ctr"/>
             <a:r>
               <a:rPr lang="en-US" sz="1200" dirty="0" smtClean="0"/>
-              <a:t>String – </a:t>
-            </a:r>
-            <a:r>
-              <a:rPr lang="en-US" sz="1200" dirty="0" smtClean="0"/>
-              <a:t>replace </a:t>
-            </a:r>
-            <a:r>
-              <a:rPr lang="en-US" sz="1200" dirty="0" smtClean="0"/>
-              <a:t>method</a:t>
+              <a:t>String – replace method</a:t>
             </a:r>
             <a:endParaRPr lang="en-US" sz="1200" dirty="0"/>
           </a:p>
@@ -3972,9 +3964,20 @@
             <a:pPr algn="ctr"/>
             <a:r>
               <a:rPr lang="en-US" sz="1200" dirty="0"/>
-              <a:t>"aaabbb"</a:t>
-            </a:r>
-            <a:endParaRPr lang="en-US" sz="1200" dirty="0"/>
+              <a:t>"</a:t>
+            </a:r>
+            <a:r>
+              <a:rPr lang="en-US" sz="1200" dirty="0">
+                <a:solidFill>
+                  <a:srgbClr val="C00000"/>
+                </a:solidFill>
+              </a:rPr>
+              <a:t>aaa</a:t>
+            </a:r>
+            <a:r>
+              <a:rPr lang="en-US" sz="1200" dirty="0"/>
+              <a:t>bbb"</a:t>
+            </a:r>
           </a:p>
         </p:txBody>
       </p:sp>
@@ -4017,8 +4020,16 @@
               <a:t>"</a:t>
             </a:r>
             <a:r>
+              <a:rPr lang="en-US" sz="1200" dirty="0">
+                <a:solidFill>
+                  <a:srgbClr val="C00000"/>
+                </a:solidFill>
+              </a:rPr>
+              <a:t>zzz</a:t>
+            </a:r>
+            <a:r>
               <a:rPr lang="en-US" sz="1200" dirty="0"/>
-              <a:t>zzzbbb</a:t>
+              <a:t>bbb</a:t>
             </a:r>
             <a:r>
               <a:rPr lang="en-US" sz="1200" dirty="0" smtClean="0"/>
@@ -4105,7 +4116,6 @@
               <a:rPr lang="en-US" sz="1200" dirty="0"/>
               <a:t>replace('a', 'z')</a:t>
             </a:r>
-            <a:endParaRPr lang="en-US" sz="1200" dirty="0"/>
           </a:p>
         </p:txBody>
       </p:sp>
@@ -4161,15 +4171,7 @@
             </a:pPr>
             <a:r>
               <a:rPr lang="en-US" sz="1200" dirty="0"/>
-              <a:t>"mesquite in your </a:t>
-            </a:r>
-            <a:r>
-              <a:rPr lang="en-US" sz="1200" dirty="0"/>
-              <a:t>cellar".replace</a:t>
-            </a:r>
-            <a:r>
-              <a:rPr lang="en-US" sz="1200" dirty="0"/>
-              <a:t>('e', 'o') returns "mosquito in your collar" </a:t>
+              <a:t>"mesquite in your cellar".replace('e', 'o') returns "mosquito in your collar" </a:t>
             </a:r>
             <a:endParaRPr lang="en-US" sz="1200" dirty="0" smtClean="0"/>
           </a:p>
@@ -4191,15 +4193,7 @@
             </a:r>
             <a:r>
               <a:rPr lang="en-US" sz="1200" dirty="0"/>
-              <a:t>the war of </a:t>
-            </a:r>
-            <a:r>
-              <a:rPr lang="en-US" sz="1200" dirty="0"/>
-              <a:t>baronets".replace</a:t>
-            </a:r>
-            <a:r>
-              <a:rPr lang="en-US" sz="1200" dirty="0"/>
-              <a:t>('r', 'y') returns "the way of bayonets" </a:t>
+              <a:t>the war of baronets".replace('r', 'y') returns "the way of bayonets" </a:t>
             </a:r>
             <a:endParaRPr lang="en-US" sz="1200" dirty="0" smtClean="0"/>
           </a:p>
@@ -4221,15 +4215,7 @@
             </a:r>
             <a:r>
               <a:rPr lang="en-US" sz="1200" dirty="0"/>
-              <a:t>sparring with a purple </a:t>
-            </a:r>
-            <a:r>
-              <a:rPr lang="en-US" sz="1200" dirty="0"/>
-              <a:t>porpoise".replace</a:t>
-            </a:r>
-            <a:r>
-              <a:rPr lang="en-US" sz="1200" dirty="0"/>
-              <a:t>('p', 't') returns "starring with a </a:t>
+              <a:t>sparring with a purple porpoise".replace('p', 't') returns "starring with a </a:t>
             </a:r>
             <a:r>
               <a:rPr lang="en-US" sz="1200" dirty="0" smtClean="0"/>
@@ -4259,19 +4245,7 @@
             </a:r>
             <a:r>
               <a:rPr lang="en-US" sz="1200" dirty="0"/>
-              <a:t>JonL</a:t>
-            </a:r>
-            <a:r>
-              <a:rPr lang="en-US" sz="1200" dirty="0"/>
-              <a:t>".replace('q', 'x') returns "</a:t>
-            </a:r>
-            <a:r>
-              <a:rPr lang="en-US" sz="1200" dirty="0"/>
-              <a:t>JonL</a:t>
-            </a:r>
-            <a:r>
-              <a:rPr lang="en-US" sz="1200" dirty="0"/>
-              <a:t>" (no change)</a:t>
+              <a:t>JonL".replace('q', 'x') returns "JonL" (no change)</a:t>
             </a:r>
           </a:p>
         </p:txBody>
